--- a/Docs/Apresentacao_Uni4-Academico.pptx
+++ b/Docs/Apresentacao_Uni4-Academico.pptx
@@ -8110,18 +8110,14 @@
             </a:br>
             <a:r>
               <a:rPr lang="pt-BR" sz="1700" dirty="0"/>
-              <a:t>a domínio – Clareza, coesão, baixo acoplamento  </a:t>
+              <a:t>Orientado a domínio – Clareza, coesão, baixo acoplamento  </a:t>
             </a:r>
             <a:br>
               <a:rPr lang="pt-BR" sz="1700" dirty="0"/>
             </a:br>
             <a:r>
-              <a:rPr lang="pt-BR" sz="1700" dirty="0" err="1"/>
-              <a:t>AngOrientadoular</a:t>
-            </a:r>
-            <a:r>
               <a:rPr lang="pt-BR" sz="1700" dirty="0"/>
-              <a:t> 20 – Robusto, escalável</a:t>
+              <a:t>Angular 20 – Robusto, escalável</a:t>
             </a:r>
             <a:br>
               <a:rPr lang="pt-BR" sz="1700" dirty="0"/>
@@ -16122,7 +16118,7 @@
             <a:pPr rtl="0"/>
             <a:r>
               <a:rPr lang="pt-BR" dirty="0"/>
-              <a:t>Desavio proposto foi baste interessante.</a:t>
+              <a:t>Desafio proposto foi baste interessante.</a:t>
             </a:r>
           </a:p>
           <a:p>
@@ -16158,7 +16154,7 @@
           <a:p>
             <a:r>
               <a:rPr lang="pt-BR" dirty="0"/>
-              <a:t>Não foi levado em consideração a completude de todas as funcionalidades. Foi focado na estruturação e organização(</a:t>
+              <a:t>Não foi levado em consideração a completude de todas as funcionalidades, o foco está na estruturação e organização(</a:t>
             </a:r>
             <a:r>
               <a:rPr lang="pt-BR" b="1" dirty="0" err="1"/>
@@ -16172,7 +16168,7 @@
           <a:p>
             <a:r>
               <a:rPr lang="pt-BR" dirty="0"/>
-              <a:t>Todos os elementos foram estourados de forma bem organizada, entregues no ponto para sequencia de um desenvolvimento profissional.</a:t>
+              <a:t>Todos os elementos foram estruturado de maneira bem organizada, entregues no ponto para sequencia de um desenvolvimento profissional.</a:t>
             </a:r>
           </a:p>
           <a:p>
@@ -16186,7 +16182,7 @@
             </a:r>
             <a:r>
               <a:rPr lang="pt-BR" dirty="0"/>
-              <a:t> foi um ponto desafiador, pois não tinha experiencia. </a:t>
+              <a:t> foi um ponto desafiador, pois não tinha experiencia a ferramenta. </a:t>
             </a:r>
           </a:p>
           <a:p>
@@ -17592,11 +17588,18 @@
 <file path=customXml/itemProps2.xml><?xml version="1.0" encoding="utf-8"?>
 <ds:datastoreItem xmlns:ds="http://schemas.openxmlformats.org/officeDocument/2006/customXml" ds:itemID="{49168DCE-134F-4610-A6AA-88CEBE8D71D2}">
   <ds:schemaRefs>
+    <ds:schemaRef ds:uri="http://purl.org/dc/elements/1.1/"/>
+    <ds:schemaRef ds:uri="http://schemas.microsoft.com/office/2006/documentManagement/types"/>
+    <ds:schemaRef ds:uri="71af3243-3dd4-4a8d-8c0d-dd76da1f02a5"/>
+    <ds:schemaRef ds:uri="16c05727-aa75-4e4a-9b5f-8a80a1165891"/>
+    <ds:schemaRef ds:uri="http://purl.org/dc/terms/"/>
+    <ds:schemaRef ds:uri="http://www.w3.org/XML/1998/namespace"/>
     <ds:schemaRef ds:uri="http://schemas.microsoft.com/office/2006/metadata/properties"/>
     <ds:schemaRef ds:uri="http://schemas.microsoft.com/office/infopath/2007/PartnerControls"/>
+    <ds:schemaRef ds:uri="http://schemas.openxmlformats.org/package/2006/metadata/core-properties"/>
+    <ds:schemaRef ds:uri="230e9df3-be65-4c73-a93b-d1236ebd677e"/>
     <ds:schemaRef ds:uri="http://schemas.microsoft.com/sharepoint/v3"/>
-    <ds:schemaRef ds:uri="71af3243-3dd4-4a8d-8c0d-dd76da1f02a5"/>
-    <ds:schemaRef ds:uri="230e9df3-be65-4c73-a93b-d1236ebd677e"/>
+    <ds:schemaRef ds:uri="http://purl.org/dc/dcmitype/"/>
   </ds:schemaRefs>
 </ds:datastoreItem>
 </file>
